--- a/how_bitcoin_works/home.pptx
+++ b/how_bitcoin_works/home.pptx
@@ -5,7 +5,7 @@
     <p:sldMasterId id="2147483648" r:id="rId1"/>
   </p:sldMasterIdLst>
   <p:notesMasterIdLst>
-    <p:notesMasterId r:id="rId22"/>
+    <p:notesMasterId r:id="rId21"/>
   </p:notesMasterIdLst>
   <p:sldIdLst>
     <p:sldId id="280" r:id="rId2"/>
@@ -27,7 +27,6 @@
     <p:sldId id="278" r:id="rId18"/>
     <p:sldId id="281" r:id="rId19"/>
     <p:sldId id="302" r:id="rId20"/>
-    <p:sldId id="287" r:id="rId21"/>
   </p:sldIdLst>
   <p:sldSz cx="12192000" cy="6858000"/>
   <p:notesSz cx="6858000" cy="9144000"/>
@@ -178,7 +177,6 @@
         <p14:section name="Ethereum" id="{E9C5F9C4-1B73-4064-9933-554834B3A870}">
           <p14:sldIdLst>
             <p14:sldId id="302"/>
-            <p14:sldId id="287"/>
           </p14:sldIdLst>
         </p14:section>
       </p14:sectionLst>
@@ -1398,90 +1396,6 @@
     <p:extLst>
       <p:ext uri="{BB962C8B-B14F-4D97-AF65-F5344CB8AC3E}">
         <p14:creationId xmlns:p14="http://schemas.microsoft.com/office/powerpoint/2010/main" val="3450343281"/>
-      </p:ext>
-    </p:extLst>
-  </p:cSld>
-  <p:clrMapOvr>
-    <a:masterClrMapping/>
-  </p:clrMapOvr>
-</p:notes>
-</file>
-
-<file path=ppt/notesSlides/notesSlide8.xml><?xml version="1.0" encoding="utf-8"?>
-<p:notes xmlns:a="http://schemas.openxmlformats.org/drawingml/2006/main" xmlns:r="http://schemas.openxmlformats.org/officeDocument/2006/relationships" xmlns:p="http://schemas.openxmlformats.org/presentationml/2006/main">
-  <p:cSld>
-    <p:spTree>
-      <p:nvGrpSpPr>
-        <p:cNvPr id="1" name=""/>
-        <p:cNvGrpSpPr/>
-        <p:nvPr/>
-      </p:nvGrpSpPr>
-      <p:grpSpPr>
-        <a:xfrm>
-          <a:off x="0" y="0"/>
-          <a:ext cx="0" cy="0"/>
-          <a:chOff x="0" y="0"/>
-          <a:chExt cx="0" cy="0"/>
-        </a:xfrm>
-      </p:grpSpPr>
-      <p:sp>
-        <p:nvSpPr>
-          <p:cNvPr id="2" name="Slide Image Placeholder 1"/>
-          <p:cNvSpPr>
-            <a:spLocks noGrp="1" noRot="1" noChangeAspect="1"/>
-          </p:cNvSpPr>
-          <p:nvPr>
-            <p:ph type="sldImg"/>
-          </p:nvPr>
-        </p:nvSpPr>
-        <p:spPr/>
-      </p:sp>
-      <p:sp>
-        <p:nvSpPr>
-          <p:cNvPr id="3" name="Notes Placeholder 2"/>
-          <p:cNvSpPr>
-            <a:spLocks noGrp="1"/>
-          </p:cNvSpPr>
-          <p:nvPr>
-            <p:ph type="body" idx="1"/>
-          </p:nvPr>
-        </p:nvSpPr>
-        <p:spPr/>
-        <p:txBody>
-          <a:bodyPr/>
-          <a:lstStyle/>
-          <a:p>
-            <a:endParaRPr lang="en-US" dirty="0"/>
-          </a:p>
-        </p:txBody>
-      </p:sp>
-      <p:sp>
-        <p:nvSpPr>
-          <p:cNvPr id="4" name="Slide Number Placeholder 3"/>
-          <p:cNvSpPr>
-            <a:spLocks noGrp="1"/>
-          </p:cNvSpPr>
-          <p:nvPr>
-            <p:ph type="sldNum" sz="quarter" idx="10"/>
-          </p:nvPr>
-        </p:nvSpPr>
-        <p:spPr/>
-        <p:txBody>
-          <a:bodyPr/>
-          <a:lstStyle/>
-          <a:p>
-            <a:fld id="{AC8FCCB6-2381-4F22-909F-1230355D86F9}" type="slidenum">
-              <a:rPr lang="en-US" smtClean="0"/>
-              <a:t>20</a:t>
-            </a:fld>
-            <a:endParaRPr lang="en-US"/>
-          </a:p>
-        </p:txBody>
-      </p:sp>
-    </p:spTree>
-    <p:extLst>
-      <p:ext uri="{BB962C8B-B14F-4D97-AF65-F5344CB8AC3E}">
-        <p14:creationId xmlns:p14="http://schemas.microsoft.com/office/powerpoint/2010/main" val="2315284240"/>
       </p:ext>
     </p:extLst>
   </p:cSld>
@@ -16021,555 +15935,6 @@
 </p:sld>
 </file>
 
-<file path=ppt/slides/slide20.xml><?xml version="1.0" encoding="utf-8"?>
-<p:sld xmlns:a="http://schemas.openxmlformats.org/drawingml/2006/main" xmlns:r="http://schemas.openxmlformats.org/officeDocument/2006/relationships" xmlns:p="http://schemas.openxmlformats.org/presentationml/2006/main">
-  <p:cSld>
-    <p:spTree>
-      <p:nvGrpSpPr>
-        <p:cNvPr id="1" name=""/>
-        <p:cNvGrpSpPr/>
-        <p:nvPr/>
-      </p:nvGrpSpPr>
-      <p:grpSpPr>
-        <a:xfrm>
-          <a:off x="0" y="0"/>
-          <a:ext cx="0" cy="0"/>
-          <a:chOff x="0" y="0"/>
-          <a:chExt cx="0" cy="0"/>
-        </a:xfrm>
-      </p:grpSpPr>
-      <p:pic>
-        <p:nvPicPr>
-          <p:cNvPr id="9" name="Picture 8"/>
-          <p:cNvPicPr>
-            <a:picLocks noChangeAspect="1"/>
-          </p:cNvPicPr>
-          <p:nvPr/>
-        </p:nvPicPr>
-        <p:blipFill>
-          <a:blip r:embed="rId3"/>
-          <a:stretch>
-            <a:fillRect/>
-          </a:stretch>
-        </p:blipFill>
-        <p:spPr>
-          <a:xfrm>
-            <a:off x="4089400" y="2817025"/>
-            <a:ext cx="8064029" cy="3763503"/>
-          </a:xfrm>
-          <a:prstGeom prst="rect">
-            <a:avLst/>
-          </a:prstGeom>
-        </p:spPr>
-      </p:pic>
-      <p:sp>
-        <p:nvSpPr>
-          <p:cNvPr id="2" name="Title 1"/>
-          <p:cNvSpPr>
-            <a:spLocks noGrp="1"/>
-          </p:cNvSpPr>
-          <p:nvPr>
-            <p:ph type="title"/>
-          </p:nvPr>
-        </p:nvSpPr>
-        <p:spPr/>
-        <p:txBody>
-          <a:bodyPr>
-            <a:normAutofit fontScale="90000"/>
-          </a:bodyPr>
-          <a:lstStyle/>
-          <a:p>
-            <a:r>
-              <a:rPr lang="en-US" dirty="0"/>
-              <a:t>Coins flow from Inputs to </a:t>
-            </a:r>
-            <a:r>
-              <a:rPr lang="en-US" dirty="0" err="1"/>
-              <a:t>Outputs_TODO</a:t>
-            </a:r>
-            <a:endParaRPr lang="en-US" dirty="0"/>
-          </a:p>
-        </p:txBody>
-      </p:sp>
-      <p:sp>
-        <p:nvSpPr>
-          <p:cNvPr id="6" name="Slide Number Placeholder 5"/>
-          <p:cNvSpPr>
-            <a:spLocks noGrp="1"/>
-          </p:cNvSpPr>
-          <p:nvPr>
-            <p:ph type="sldNum" sz="quarter" idx="12"/>
-          </p:nvPr>
-        </p:nvSpPr>
-        <p:spPr/>
-        <p:txBody>
-          <a:bodyPr/>
-          <a:lstStyle/>
-          <a:p>
-            <a:fld id="{6E2D2B3B-882E-40F3-A32F-6DD516915044}" type="slidenum">
-              <a:rPr lang="en-US" smtClean="0"/>
-              <a:pPr/>
-              <a:t>20</a:t>
-            </a:fld>
-            <a:endParaRPr lang="en-US"/>
-          </a:p>
-        </p:txBody>
-      </p:sp>
-      <p:pic>
-        <p:nvPicPr>
-          <p:cNvPr id="10" name="Picture 9"/>
-          <p:cNvPicPr>
-            <a:picLocks noChangeAspect="1"/>
-          </p:cNvPicPr>
-          <p:nvPr/>
-        </p:nvPicPr>
-        <p:blipFill>
-          <a:blip r:embed="rId4"/>
-          <a:stretch>
-            <a:fillRect/>
-          </a:stretch>
-        </p:blipFill>
-        <p:spPr>
-          <a:xfrm>
-            <a:off x="4437003" y="1301273"/>
-            <a:ext cx="5951605" cy="1153605"/>
-          </a:xfrm>
-          <a:prstGeom prst="rect">
-            <a:avLst/>
-          </a:prstGeom>
-        </p:spPr>
-      </p:pic>
-      <p:sp>
-        <p:nvSpPr>
-          <p:cNvPr id="11" name="Rectangle 10"/>
-          <p:cNvSpPr/>
-          <p:nvPr/>
-        </p:nvSpPr>
-        <p:spPr>
-          <a:xfrm>
-            <a:off x="5886079" y="2020653"/>
-            <a:ext cx="896207" cy="307777"/>
-          </a:xfrm>
-          <a:prstGeom prst="rect">
-            <a:avLst/>
-          </a:prstGeom>
-        </p:spPr>
-        <p:txBody>
-          <a:bodyPr wrap="none">
-            <a:spAutoFit/>
-          </a:bodyPr>
-          <a:lstStyle/>
-          <a:p>
-            <a:r>
-              <a:rPr lang="en-US" sz="1400" dirty="0">
-                <a:solidFill>
-                  <a:srgbClr val="FF0000"/>
-                </a:solidFill>
-                <a:latin typeface="Arial Black" panose="020B0A04020102020204" pitchFamily="34" charset="0"/>
-              </a:rPr>
-              <a:t>Create</a:t>
-            </a:r>
-            <a:r>
-              <a:rPr lang="en-US" sz="1100" dirty="0">
-                <a:solidFill>
-                  <a:srgbClr val="FF0000"/>
-                </a:solidFill>
-                <a:latin typeface="Arial Black" panose="020B0A04020102020204" pitchFamily="34" charset="0"/>
-              </a:rPr>
-              <a:t> </a:t>
-            </a:r>
-          </a:p>
-        </p:txBody>
-      </p:sp>
-      <p:sp>
-        <p:nvSpPr>
-          <p:cNvPr id="12" name="Rectangle 11"/>
-          <p:cNvSpPr/>
-          <p:nvPr/>
-        </p:nvSpPr>
-        <p:spPr>
-          <a:xfrm>
-            <a:off x="8166909" y="2038471"/>
-            <a:ext cx="805542" cy="307777"/>
-          </a:xfrm>
-          <a:prstGeom prst="rect">
-            <a:avLst/>
-          </a:prstGeom>
-        </p:spPr>
-        <p:txBody>
-          <a:bodyPr wrap="none">
-            <a:spAutoFit/>
-          </a:bodyPr>
-          <a:lstStyle/>
-          <a:p>
-            <a:r>
-              <a:rPr lang="en-US" sz="1400" dirty="0">
-                <a:solidFill>
-                  <a:srgbClr val="FF0000"/>
-                </a:solidFill>
-                <a:latin typeface="Arial Black" panose="020B0A04020102020204" pitchFamily="34" charset="0"/>
-              </a:rPr>
-              <a:t>Verify</a:t>
-            </a:r>
-            <a:r>
-              <a:rPr lang="en-US" sz="1100" dirty="0">
-                <a:solidFill>
-                  <a:srgbClr val="FF0000"/>
-                </a:solidFill>
-                <a:latin typeface="Arial Black" panose="020B0A04020102020204" pitchFamily="34" charset="0"/>
-              </a:rPr>
-              <a:t> </a:t>
-            </a:r>
-          </a:p>
-        </p:txBody>
-      </p:sp>
-      <p:sp>
-        <p:nvSpPr>
-          <p:cNvPr id="13" name="內容版面配置區 2"/>
-          <p:cNvSpPr>
-            <a:spLocks noGrp="1"/>
-          </p:cNvSpPr>
-          <p:nvPr/>
-        </p:nvSpPr>
-        <p:spPr>
-          <a:xfrm>
-            <a:off x="195003" y="1301273"/>
-            <a:ext cx="4306453" cy="5488994"/>
-          </a:xfrm>
-          <a:prstGeom prst="rect">
-            <a:avLst/>
-          </a:prstGeom>
-        </p:spPr>
-        <p:txBody>
-          <a:bodyPr vert="horz" lIns="91440" tIns="45720" rIns="91440" bIns="45720" rtlCol="0" anchor="ctr">
-            <a:normAutofit/>
-          </a:bodyPr>
-          <a:lstStyle>
-            <a:lvl1pPr marL="342900" indent="-342900" algn="l" defTabSz="457200" rtl="0" eaLnBrk="1" latinLnBrk="0" hangingPunct="1">
-              <a:spcBef>
-                <a:spcPts val="1000"/>
-              </a:spcBef>
-              <a:spcAft>
-                <a:spcPts val="0"/>
-              </a:spcAft>
-              <a:buClr>
-                <a:schemeClr val="accent1"/>
-              </a:buClr>
-              <a:buSzPct val="80000"/>
-              <a:buFont typeface="Wingdings 3" charset="2"/>
-              <a:buChar char=""/>
-              <a:defRPr sz="1800" b="0" i="0" kern="1200">
-                <a:solidFill>
-                  <a:schemeClr val="tx1">
-                    <a:lumMod val="75000"/>
-                    <a:lumOff val="25000"/>
-                  </a:schemeClr>
-                </a:solidFill>
-                <a:latin typeface="+mn-lt"/>
-                <a:ea typeface="+mn-ea"/>
-                <a:cs typeface="+mn-cs"/>
-              </a:defRPr>
-            </a:lvl1pPr>
-            <a:lvl2pPr marL="742950" indent="-285750" algn="l" defTabSz="457200" rtl="0" eaLnBrk="1" latinLnBrk="0" hangingPunct="1">
-              <a:spcBef>
-                <a:spcPts val="1000"/>
-              </a:spcBef>
-              <a:spcAft>
-                <a:spcPts val="0"/>
-              </a:spcAft>
-              <a:buClr>
-                <a:schemeClr val="accent1"/>
-              </a:buClr>
-              <a:buSzPct val="80000"/>
-              <a:buFont typeface="Wingdings 3" charset="2"/>
-              <a:buChar char=""/>
-              <a:defRPr sz="1600" b="0" i="0" kern="1200">
-                <a:solidFill>
-                  <a:schemeClr val="tx1">
-                    <a:lumMod val="75000"/>
-                    <a:lumOff val="25000"/>
-                  </a:schemeClr>
-                </a:solidFill>
-                <a:latin typeface="+mn-lt"/>
-                <a:ea typeface="+mn-ea"/>
-                <a:cs typeface="+mn-cs"/>
-              </a:defRPr>
-            </a:lvl2pPr>
-            <a:lvl3pPr marL="1143000" indent="-228600" algn="l" defTabSz="457200" rtl="0" eaLnBrk="1" latinLnBrk="0" hangingPunct="1">
-              <a:spcBef>
-                <a:spcPts val="1000"/>
-              </a:spcBef>
-              <a:spcAft>
-                <a:spcPts val="0"/>
-              </a:spcAft>
-              <a:buClr>
-                <a:schemeClr val="accent1"/>
-              </a:buClr>
-              <a:buSzPct val="80000"/>
-              <a:buFont typeface="Wingdings 3" charset="2"/>
-              <a:buChar char=""/>
-              <a:defRPr sz="1400" b="0" i="0" kern="1200">
-                <a:solidFill>
-                  <a:schemeClr val="tx1">
-                    <a:lumMod val="75000"/>
-                    <a:lumOff val="25000"/>
-                  </a:schemeClr>
-                </a:solidFill>
-                <a:latin typeface="+mn-lt"/>
-                <a:ea typeface="+mn-ea"/>
-                <a:cs typeface="+mn-cs"/>
-              </a:defRPr>
-            </a:lvl3pPr>
-            <a:lvl4pPr marL="1600200" indent="-228600" algn="l" defTabSz="457200" rtl="0" eaLnBrk="1" latinLnBrk="0" hangingPunct="1">
-              <a:spcBef>
-                <a:spcPts val="1000"/>
-              </a:spcBef>
-              <a:spcAft>
-                <a:spcPts val="0"/>
-              </a:spcAft>
-              <a:buClr>
-                <a:schemeClr val="accent1"/>
-              </a:buClr>
-              <a:buSzPct val="80000"/>
-              <a:buFont typeface="Wingdings 3" charset="2"/>
-              <a:buChar char=""/>
-              <a:defRPr sz="1200" b="0" i="0" kern="1200">
-                <a:solidFill>
-                  <a:schemeClr val="tx1">
-                    <a:lumMod val="75000"/>
-                    <a:lumOff val="25000"/>
-                  </a:schemeClr>
-                </a:solidFill>
-                <a:latin typeface="+mn-lt"/>
-                <a:ea typeface="+mn-ea"/>
-                <a:cs typeface="+mn-cs"/>
-              </a:defRPr>
-            </a:lvl4pPr>
-            <a:lvl5pPr marL="2057400" indent="-228600" algn="l" defTabSz="457200" rtl="0" eaLnBrk="1" latinLnBrk="0" hangingPunct="1">
-              <a:spcBef>
-                <a:spcPts val="1000"/>
-              </a:spcBef>
-              <a:spcAft>
-                <a:spcPts val="0"/>
-              </a:spcAft>
-              <a:buClr>
-                <a:schemeClr val="accent1"/>
-              </a:buClr>
-              <a:buSzPct val="80000"/>
-              <a:buFont typeface="Wingdings 3" charset="2"/>
-              <a:buChar char=""/>
-              <a:defRPr sz="1200" b="0" i="0" kern="1200">
-                <a:solidFill>
-                  <a:schemeClr val="tx1">
-                    <a:lumMod val="75000"/>
-                    <a:lumOff val="25000"/>
-                  </a:schemeClr>
-                </a:solidFill>
-                <a:latin typeface="+mn-lt"/>
-                <a:ea typeface="+mn-ea"/>
-                <a:cs typeface="+mn-cs"/>
-              </a:defRPr>
-            </a:lvl5pPr>
-            <a:lvl6pPr marL="2514600" indent="-228600" algn="l" defTabSz="457200" rtl="0" eaLnBrk="1" latinLnBrk="0" hangingPunct="1">
-              <a:spcBef>
-                <a:spcPts val="1000"/>
-              </a:spcBef>
-              <a:spcAft>
-                <a:spcPts val="0"/>
-              </a:spcAft>
-              <a:buClr>
-                <a:schemeClr val="accent1"/>
-              </a:buClr>
-              <a:buSzPct val="80000"/>
-              <a:buFont typeface="Wingdings 3" charset="2"/>
-              <a:buChar char=""/>
-              <a:defRPr sz="1200" b="0" i="0" kern="1200">
-                <a:solidFill>
-                  <a:schemeClr val="tx1">
-                    <a:lumMod val="75000"/>
-                    <a:lumOff val="25000"/>
-                  </a:schemeClr>
-                </a:solidFill>
-                <a:latin typeface="+mn-lt"/>
-                <a:ea typeface="+mn-ea"/>
-                <a:cs typeface="+mn-cs"/>
-              </a:defRPr>
-            </a:lvl6pPr>
-            <a:lvl7pPr marL="2971800" indent="-228600" algn="l" defTabSz="457200" rtl="0" eaLnBrk="1" latinLnBrk="0" hangingPunct="1">
-              <a:spcBef>
-                <a:spcPts val="1000"/>
-              </a:spcBef>
-              <a:spcAft>
-                <a:spcPts val="0"/>
-              </a:spcAft>
-              <a:buClr>
-                <a:schemeClr val="accent1"/>
-              </a:buClr>
-              <a:buSzPct val="80000"/>
-              <a:buFont typeface="Wingdings 3" charset="2"/>
-              <a:buChar char=""/>
-              <a:defRPr sz="1200" b="0" i="0" kern="1200">
-                <a:solidFill>
-                  <a:schemeClr val="tx1">
-                    <a:lumMod val="75000"/>
-                    <a:lumOff val="25000"/>
-                  </a:schemeClr>
-                </a:solidFill>
-                <a:latin typeface="+mn-lt"/>
-                <a:ea typeface="+mn-ea"/>
-                <a:cs typeface="+mn-cs"/>
-              </a:defRPr>
-            </a:lvl7pPr>
-            <a:lvl8pPr marL="3429000" indent="-228600" algn="l" defTabSz="457200" rtl="0" eaLnBrk="1" latinLnBrk="0" hangingPunct="1">
-              <a:spcBef>
-                <a:spcPts val="1000"/>
-              </a:spcBef>
-              <a:spcAft>
-                <a:spcPts val="0"/>
-              </a:spcAft>
-              <a:buClr>
-                <a:schemeClr val="accent1"/>
-              </a:buClr>
-              <a:buSzPct val="80000"/>
-              <a:buFont typeface="Wingdings 3" charset="2"/>
-              <a:buChar char=""/>
-              <a:defRPr sz="1200" b="0" i="0" kern="1200">
-                <a:solidFill>
-                  <a:schemeClr val="tx1">
-                    <a:lumMod val="75000"/>
-                    <a:lumOff val="25000"/>
-                  </a:schemeClr>
-                </a:solidFill>
-                <a:latin typeface="+mn-lt"/>
-                <a:ea typeface="+mn-ea"/>
-                <a:cs typeface="+mn-cs"/>
-              </a:defRPr>
-            </a:lvl8pPr>
-            <a:lvl9pPr marL="3886200" indent="-228600" algn="l" defTabSz="457200" rtl="0" eaLnBrk="1" latinLnBrk="0" hangingPunct="1">
-              <a:spcBef>
-                <a:spcPts val="1000"/>
-              </a:spcBef>
-              <a:spcAft>
-                <a:spcPts val="0"/>
-              </a:spcAft>
-              <a:buClr>
-                <a:schemeClr val="accent1"/>
-              </a:buClr>
-              <a:buSzPct val="80000"/>
-              <a:buFont typeface="Wingdings 3" charset="2"/>
-              <a:buChar char=""/>
-              <a:defRPr sz="1200" b="0" i="0" kern="1200">
-                <a:solidFill>
-                  <a:schemeClr val="tx1">
-                    <a:lumMod val="75000"/>
-                    <a:lumOff val="25000"/>
-                  </a:schemeClr>
-                </a:solidFill>
-                <a:latin typeface="+mn-lt"/>
-                <a:ea typeface="+mn-ea"/>
-                <a:cs typeface="+mn-cs"/>
-              </a:defRPr>
-            </a:lvl9pPr>
-          </a:lstStyle>
-          <a:p>
-            <a:r>
-              <a:rPr lang="EN-US" altLang="ZH-TW" sz="2400" dirty="0"/>
-              <a:t>Each bitcoin defined as a chain of digital signature</a:t>
-            </a:r>
-          </a:p>
-          <a:p>
-            <a:r>
-              <a:rPr lang="EN-US" altLang="ZH-HK" sz="2400" dirty="0"/>
-              <a:t>When A wants to transfer a bitcoin to B, A creates a digital signature with A’s private key,  based on </a:t>
-            </a:r>
-            <a:endParaRPr lang="en-US" altLang="zh-HK" sz="2400" dirty="0"/>
-          </a:p>
-          <a:p>
-            <a:pPr lvl="1"/>
-            <a:r>
-              <a:rPr lang="en-US" altLang="zh-HK" sz="1800" dirty="0"/>
-              <a:t>T</a:t>
-            </a:r>
-            <a:r>
-              <a:rPr lang="EN-US" altLang="ZH-HK" sz="1800" dirty="0"/>
-              <a:t>he hash of</a:t>
-            </a:r>
-            <a:r>
-              <a:rPr lang="en-US" altLang="zh-HK" sz="1800" dirty="0"/>
-              <a:t> </a:t>
-            </a:r>
-            <a:r>
-              <a:rPr lang="EN-US" altLang="ZH-HK" sz="1800" dirty="0"/>
-              <a:t>The previous transaction of this coin</a:t>
-            </a:r>
-            <a:endParaRPr lang="en-US" altLang="zh-HK" sz="1800" dirty="0"/>
-          </a:p>
-          <a:p>
-            <a:pPr lvl="1"/>
-            <a:r>
-              <a:rPr lang="EN-US" altLang="ZH-HK" sz="2000" dirty="0"/>
-              <a:t>The public key of B</a:t>
-            </a:r>
-          </a:p>
-          <a:p>
-            <a:r>
-              <a:rPr lang="EN-US" altLang="ZH-HK" sz="2400" dirty="0"/>
-              <a:t>Everyone can verify the transaction by verifying the digital signature with public key of A</a:t>
-            </a:r>
-            <a:endParaRPr lang="zh-HK" altLang="en-US" sz="2000" dirty="0"/>
-          </a:p>
-        </p:txBody>
-      </p:sp>
-      <p:sp>
-        <p:nvSpPr>
-          <p:cNvPr id="14" name="Rectangle 13">
-            <a:extLst>
-              <a:ext uri="{FF2B5EF4-FFF2-40B4-BE49-F238E27FC236}">
-                <a16:creationId xmlns:a16="http://schemas.microsoft.com/office/drawing/2014/main" id="{825343D9-9D19-4B3C-BAB9-5F44587660FB}"/>
-              </a:ext>
-            </a:extLst>
-          </p:cNvPr>
-          <p:cNvSpPr/>
-          <p:nvPr/>
-        </p:nvSpPr>
-        <p:spPr>
-          <a:xfrm>
-            <a:off x="0" y="6488668"/>
-            <a:ext cx="1081377" cy="369332"/>
-          </a:xfrm>
-          <a:prstGeom prst="rect">
-            <a:avLst/>
-          </a:prstGeom>
-        </p:spPr>
-        <p:txBody>
-          <a:bodyPr wrap="square">
-            <a:spAutoFit/>
-          </a:bodyPr>
-          <a:lstStyle/>
-          <a:p>
-            <a:r>
-              <a:rPr lang="en-US" dirty="0">
-                <a:hlinkClick r:id="rId5" action="ppaction://hlinksldjump"/>
-              </a:rPr>
-              <a:t>Index</a:t>
-            </a:r>
-            <a:endParaRPr lang="en-US" dirty="0"/>
-          </a:p>
-        </p:txBody>
-      </p:sp>
-    </p:spTree>
-    <p:extLst>
-      <p:ext uri="{BB962C8B-B14F-4D97-AF65-F5344CB8AC3E}">
-        <p14:creationId xmlns:p14="http://schemas.microsoft.com/office/powerpoint/2010/main" val="1060781644"/>
-      </p:ext>
-    </p:extLst>
-  </p:cSld>
-  <p:clrMapOvr>
-    <a:masterClrMapping/>
-  </p:clrMapOvr>
-</p:sld>
-</file>
-
 <file path=ppt/slides/slide3.xml><?xml version="1.0" encoding="utf-8"?>
 <p:sld xmlns:a="http://schemas.openxmlformats.org/drawingml/2006/main" xmlns:r="http://schemas.openxmlformats.org/officeDocument/2006/relationships" xmlns:p="http://schemas.openxmlformats.org/presentationml/2006/main">
   <p:cSld>
@@ -22350,8 +21715,8 @@
         </p:nvSpPr>
         <p:spPr>
           <a:xfrm>
-            <a:off x="1081377" y="1334529"/>
-            <a:ext cx="5534108" cy="5386945"/>
+            <a:off x="1081377" y="1538416"/>
+            <a:ext cx="5534108" cy="5183058"/>
           </a:xfrm>
         </p:spPr>
         <p:txBody>
@@ -22427,8 +21792,8 @@
         </p:nvSpPr>
         <p:spPr>
           <a:xfrm>
-            <a:off x="7370858" y="1120877"/>
-            <a:ext cx="4594999" cy="5056086"/>
+            <a:off x="7370858" y="1649627"/>
+            <a:ext cx="4300099" cy="4527336"/>
           </a:xfrm>
         </p:spPr>
         <p:txBody>

--- a/how_bitcoin_works/home.pptx
+++ b/how_bitcoin_works/home.pptx
@@ -4419,60 +4419,6 @@
           </a:p>
         </p:txBody>
       </p:sp>
-      <p:pic>
-        <p:nvPicPr>
-          <p:cNvPr id="7" name="Picture 2"/>
-          <p:cNvPicPr>
-            <a:picLocks noChangeAspect="1"/>
-          </p:cNvPicPr>
-          <p:nvPr/>
-        </p:nvPicPr>
-        <p:blipFill>
-          <a:blip r:embed="rId3">
-            <a:extLst>
-              <a:ext uri="{28A0092B-C50C-407E-A947-70E740481C1C}">
-                <a14:useLocalDpi xmlns:a14="http://schemas.microsoft.com/office/drawing/2010/main" val="0"/>
-              </a:ext>
-            </a:extLst>
-          </a:blip>
-          <a:srcRect/>
-          <a:stretch>
-            <a:fillRect/>
-          </a:stretch>
-        </p:blipFill>
-        <p:spPr bwMode="auto">
-          <a:xfrm>
-            <a:off x="1427731" y="1541402"/>
-            <a:ext cx="1727059" cy="1719383"/>
-          </a:xfrm>
-          <a:prstGeom prst="rect">
-            <a:avLst/>
-          </a:prstGeom>
-          <a:noFill/>
-          <a:ln>
-            <a:noFill/>
-          </a:ln>
-          <a:extLst>
-            <a:ext uri="{909E8E84-426E-40DD-AFC4-6F175D3DCCD1}">
-              <a14:hiddenFill xmlns:a14="http://schemas.microsoft.com/office/drawing/2010/main">
-                <a:solidFill>
-                  <a:srgbClr val="FFFFFF"/>
-                </a:solidFill>
-              </a14:hiddenFill>
-            </a:ext>
-            <a:ext uri="{91240B29-F687-4F45-9708-019B960494DF}">
-              <a14:hiddenLine xmlns:a14="http://schemas.microsoft.com/office/drawing/2010/main" w="9525">
-                <a:solidFill>
-                  <a:srgbClr val="000000"/>
-                </a:solidFill>
-                <a:miter lim="800000"/>
-                <a:headEnd/>
-                <a:tailEnd/>
-              </a14:hiddenLine>
-            </a:ext>
-          </a:extLst>
-        </p:spPr>
-      </p:pic>
       <p:sp>
         <p:nvSpPr>
           <p:cNvPr id="6" name="Rectangle 5">
@@ -4502,7 +4448,7 @@
           <a:p>
             <a:r>
               <a:rPr lang="en-US" dirty="0">
-                <a:hlinkClick r:id="rId4" action="ppaction://hlinksldjump"/>
+                <a:hlinkClick r:id="rId3" action="ppaction://hlinksldjump"/>
               </a:rPr>
               <a:t>Index</a:t>
             </a:r>

--- a/how_bitcoin_works/home.pptx
+++ b/how_bitcoin_works/home.pptx
@@ -10405,8 +10405,88 @@
           </a:xfrm>
         </p:spPr>
         <p:txBody>
-          <a:bodyPr/>
+          <a:bodyPr>
+            <a:normAutofit/>
+          </a:bodyPr>
           <a:lstStyle/>
+          <a:p>
+            <a:pPr marL="0" indent="0">
+              <a:buNone/>
+            </a:pPr>
+            <a:r>
+              <a:rPr lang="en-US" dirty="0">
+                <a:solidFill>
+                  <a:srgbClr val="C00000"/>
+                </a:solidFill>
+              </a:rPr>
+              <a:t>Abbr. </a:t>
+            </a:r>
+            <a:r>
+              <a:rPr lang="zh-CN" altLang="en-US">
+                <a:solidFill>
+                  <a:srgbClr val="C00000"/>
+                </a:solidFill>
+              </a:rPr>
+              <a:t>（简称）</a:t>
+            </a:r>
+            <a:endParaRPr lang="en-US" dirty="0">
+              <a:solidFill>
+                <a:srgbClr val="C00000"/>
+              </a:solidFill>
+            </a:endParaRPr>
+          </a:p>
+          <a:p>
+            <a:pPr lvl="1"/>
+            <a:r>
+              <a:rPr lang="en-US" dirty="0"/>
+              <a:t>BTC – bitcoin (</a:t>
+            </a:r>
+            <a:r>
+              <a:rPr lang="zh-CN" altLang="en-US" dirty="0"/>
+              <a:t>比特币</a:t>
+            </a:r>
+            <a:r>
+              <a:rPr lang="en-US" dirty="0"/>
+              <a:t>)</a:t>
+            </a:r>
+          </a:p>
+          <a:p>
+            <a:pPr lvl="1"/>
+            <a:r>
+              <a:rPr lang="en-US" dirty="0" err="1"/>
+              <a:t>txn</a:t>
+            </a:r>
+            <a:r>
+              <a:rPr lang="en-US" dirty="0"/>
+              <a:t> = transaction (</a:t>
+            </a:r>
+            <a:r>
+              <a:rPr lang="zh-CN" altLang="en-US" dirty="0"/>
+              <a:t>交易</a:t>
+            </a:r>
+            <a:r>
+              <a:rPr lang="en-US" dirty="0"/>
+              <a:t>)</a:t>
+            </a:r>
+          </a:p>
+          <a:p>
+            <a:pPr lvl="1"/>
+            <a:r>
+              <a:rPr lang="en-US" dirty="0"/>
+              <a:t>sig = signature (</a:t>
+            </a:r>
+            <a:r>
+              <a:rPr lang="zh-CN" altLang="en-US" dirty="0"/>
+              <a:t>数字签名</a:t>
+            </a:r>
+            <a:r>
+              <a:rPr lang="en-US" dirty="0"/>
+              <a:t>)</a:t>
+            </a:r>
+            <a:endParaRPr lang="en-US" dirty="0">
+              <a:hlinkClick r:id="rId6"/>
+            </a:endParaRPr>
+          </a:p>
           <a:p>
             <a:pPr marL="0" indent="0">
               <a:buNone/>
@@ -10423,7 +10503,7 @@
           <a:p>
             <a:r>
               <a:rPr lang="en-US" dirty="0">
-                <a:hlinkClick r:id="rId6" action="ppaction://hlinkfile"/>
+                <a:hlinkClick r:id="rId7" action="ppaction://hlinkfile"/>
               </a:rPr>
               <a:t>Blockchain Viewer</a:t>
             </a:r>
@@ -10436,7 +10516,7 @@
             <a:pPr lvl="1"/>
             <a:r>
               <a:rPr lang="en-US" dirty="0">
-                <a:hlinkClick r:id="rId7"/>
+                <a:hlinkClick r:id="rId8"/>
               </a:rPr>
               <a:t>Block</a:t>
             </a:r>
@@ -10449,7 +10529,7 @@
             <a:pPr lvl="1"/>
             <a:r>
               <a:rPr lang="en-US" dirty="0" err="1">
-                <a:hlinkClick r:id="rId8"/>
+                <a:hlinkClick r:id="rId6"/>
               </a:rPr>
               <a:t>txn</a:t>
             </a:r>

--- a/how_bitcoin_works/home.pptx
+++ b/how_bitcoin_works/home.pptx
@@ -5,7 +5,7 @@
     <p:sldMasterId id="2147483648" r:id="rId1"/>
   </p:sldMasterIdLst>
   <p:notesMasterIdLst>
-    <p:notesMasterId r:id="rId10"/>
+    <p:notesMasterId r:id="rId13"/>
   </p:notesMasterIdLst>
   <p:sldIdLst>
     <p:sldId id="318" r:id="rId2"/>
@@ -14,8 +14,11 @@
     <p:sldId id="319" r:id="rId5"/>
     <p:sldId id="322" r:id="rId6"/>
     <p:sldId id="305" r:id="rId7"/>
-    <p:sldId id="281" r:id="rId8"/>
-    <p:sldId id="302" r:id="rId9"/>
+    <p:sldId id="326" r:id="rId8"/>
+    <p:sldId id="324" r:id="rId9"/>
+    <p:sldId id="325" r:id="rId10"/>
+    <p:sldId id="281" r:id="rId11"/>
+    <p:sldId id="302" r:id="rId12"/>
   </p:sldIdLst>
   <p:sldSz cx="12192000" cy="6858000"/>
   <p:notesSz cx="6858000" cy="9144000"/>
@@ -4597,6 +4600,319 @@
     <p:extLst>
       <p:ext uri="{BB962C8B-B14F-4D97-AF65-F5344CB8AC3E}">
         <p14:creationId xmlns:p14="http://schemas.microsoft.com/office/powerpoint/2010/main" val="1238700513"/>
+      </p:ext>
+    </p:extLst>
+  </p:cSld>
+  <p:clrMapOvr>
+    <a:masterClrMapping/>
+  </p:clrMapOvr>
+</p:sld>
+</file>
+
+<file path=ppt/slides/slide10.xml><?xml version="1.0" encoding="utf-8"?>
+<p:sld xmlns:a="http://schemas.openxmlformats.org/drawingml/2006/main" xmlns:r="http://schemas.openxmlformats.org/officeDocument/2006/relationships" xmlns:p="http://schemas.openxmlformats.org/presentationml/2006/main">
+  <p:cSld>
+    <p:spTree>
+      <p:nvGrpSpPr>
+        <p:cNvPr id="1" name=""/>
+        <p:cNvGrpSpPr/>
+        <p:nvPr/>
+      </p:nvGrpSpPr>
+      <p:grpSpPr>
+        <a:xfrm>
+          <a:off x="0" y="0"/>
+          <a:ext cx="0" cy="0"/>
+          <a:chOff x="0" y="0"/>
+          <a:chExt cx="0" cy="0"/>
+        </a:xfrm>
+      </p:grpSpPr>
+      <p:sp>
+        <p:nvSpPr>
+          <p:cNvPr id="2" name="Title 1"/>
+          <p:cNvSpPr>
+            <a:spLocks noGrp="1"/>
+          </p:cNvSpPr>
+          <p:nvPr>
+            <p:ph type="title"/>
+          </p:nvPr>
+        </p:nvSpPr>
+        <p:spPr>
+          <a:xfrm>
+            <a:off x="979695" y="2299446"/>
+            <a:ext cx="9702882" cy="618101"/>
+          </a:xfrm>
+        </p:spPr>
+        <p:txBody>
+          <a:bodyPr>
+            <a:noAutofit/>
+          </a:bodyPr>
+          <a:lstStyle/>
+          <a:p>
+            <a:pPr algn="ctr"/>
+            <a:r>
+              <a:rPr lang="en-US" sz="11500" dirty="0"/>
+              <a:t>Q &amp; A</a:t>
+            </a:r>
+          </a:p>
+        </p:txBody>
+      </p:sp>
+      <p:sp>
+        <p:nvSpPr>
+          <p:cNvPr id="5" name="Slide Number Placeholder 4"/>
+          <p:cNvSpPr>
+            <a:spLocks noGrp="1"/>
+          </p:cNvSpPr>
+          <p:nvPr>
+            <p:ph type="sldNum" sz="quarter" idx="12"/>
+          </p:nvPr>
+        </p:nvSpPr>
+        <p:spPr/>
+        <p:txBody>
+          <a:bodyPr/>
+          <a:lstStyle/>
+          <a:p>
+            <a:fld id="{656EEF9C-D8EE-4444-AD18-FDA4DCDDF73B}" type="slidenum">
+              <a:rPr lang="en-US" smtClean="0"/>
+              <a:t>10</a:t>
+            </a:fld>
+            <a:endParaRPr lang="en-US"/>
+          </a:p>
+        </p:txBody>
+      </p:sp>
+      <p:sp>
+        <p:nvSpPr>
+          <p:cNvPr id="4" name="Rectangle 3">
+            <a:extLst>
+              <a:ext uri="{FF2B5EF4-FFF2-40B4-BE49-F238E27FC236}">
+                <a16:creationId xmlns:a16="http://schemas.microsoft.com/office/drawing/2014/main" id="{1D8BF281-2BBE-4282-BBDC-BDEECCAD3CE9}"/>
+              </a:ext>
+            </a:extLst>
+          </p:cNvPr>
+          <p:cNvSpPr/>
+          <p:nvPr/>
+        </p:nvSpPr>
+        <p:spPr>
+          <a:xfrm>
+            <a:off x="0" y="6488668"/>
+            <a:ext cx="1081377" cy="369332"/>
+          </a:xfrm>
+          <a:prstGeom prst="rect">
+            <a:avLst/>
+          </a:prstGeom>
+        </p:spPr>
+        <p:txBody>
+          <a:bodyPr wrap="square">
+            <a:spAutoFit/>
+          </a:bodyPr>
+          <a:lstStyle/>
+          <a:p>
+            <a:r>
+              <a:rPr lang="en-US" dirty="0">
+                <a:hlinkClick r:id="rId2" action="ppaction://hlinksldjump"/>
+              </a:rPr>
+              <a:t>Index</a:t>
+            </a:r>
+            <a:endParaRPr lang="en-US" dirty="0"/>
+          </a:p>
+        </p:txBody>
+      </p:sp>
+    </p:spTree>
+    <p:extLst>
+      <p:ext uri="{BB962C8B-B14F-4D97-AF65-F5344CB8AC3E}">
+        <p14:creationId xmlns:p14="http://schemas.microsoft.com/office/powerpoint/2010/main" val="564625984"/>
+      </p:ext>
+    </p:extLst>
+  </p:cSld>
+  <p:clrMapOvr>
+    <a:masterClrMapping/>
+  </p:clrMapOvr>
+</p:sld>
+</file>
+
+<file path=ppt/slides/slide11.xml><?xml version="1.0" encoding="utf-8"?>
+<p:sld xmlns:a="http://schemas.openxmlformats.org/drawingml/2006/main" xmlns:r="http://schemas.openxmlformats.org/officeDocument/2006/relationships" xmlns:p="http://schemas.openxmlformats.org/presentationml/2006/main">
+  <p:cSld>
+    <p:spTree>
+      <p:nvGrpSpPr>
+        <p:cNvPr id="1" name=""/>
+        <p:cNvGrpSpPr/>
+        <p:nvPr/>
+      </p:nvGrpSpPr>
+      <p:grpSpPr>
+        <a:xfrm>
+          <a:off x="0" y="0"/>
+          <a:ext cx="0" cy="0"/>
+          <a:chOff x="0" y="0"/>
+          <a:chExt cx="0" cy="0"/>
+        </a:xfrm>
+      </p:grpSpPr>
+      <p:sp>
+        <p:nvSpPr>
+          <p:cNvPr id="2" name="Title 1"/>
+          <p:cNvSpPr>
+            <a:spLocks noGrp="1"/>
+          </p:cNvSpPr>
+          <p:nvPr>
+            <p:ph type="title"/>
+          </p:nvPr>
+        </p:nvSpPr>
+        <p:spPr/>
+        <p:txBody>
+          <a:bodyPr>
+            <a:normAutofit fontScale="90000"/>
+          </a:bodyPr>
+          <a:lstStyle/>
+          <a:p>
+            <a:r>
+              <a:rPr lang="en-US" dirty="0"/>
+              <a:t>Reference documents</a:t>
+            </a:r>
+          </a:p>
+        </p:txBody>
+      </p:sp>
+      <p:sp>
+        <p:nvSpPr>
+          <p:cNvPr id="3" name="Content Placeholder 2"/>
+          <p:cNvSpPr>
+            <a:spLocks noGrp="1"/>
+          </p:cNvSpPr>
+          <p:nvPr>
+            <p:ph idx="1"/>
+          </p:nvPr>
+        </p:nvSpPr>
+        <p:spPr/>
+        <p:txBody>
+          <a:bodyPr/>
+          <a:lstStyle/>
+          <a:p>
+            <a:r>
+              <a:rPr lang="en-US" dirty="0">
+                <a:hlinkClick r:id="rId2"/>
+              </a:rPr>
+              <a:t>How do bitcoin transactions work</a:t>
+            </a:r>
+            <a:endParaRPr lang="en-US" dirty="0"/>
+          </a:p>
+          <a:p>
+            <a:r>
+              <a:rPr lang="en-US" dirty="0">
+                <a:hlinkClick r:id="rId3"/>
+              </a:rPr>
+              <a:t>The Challenges of Block Chain Indexing</a:t>
+            </a:r>
+            <a:endParaRPr lang="en-US" dirty="0"/>
+          </a:p>
+          <a:p>
+            <a:r>
+              <a:rPr lang="en-US" dirty="0">
+                <a:hlinkClick r:id="rId4"/>
+              </a:rPr>
+              <a:t>Blockchain platform evolution</a:t>
+            </a:r>
+            <a:endParaRPr lang="en-US" dirty="0"/>
+          </a:p>
+          <a:p>
+            <a:r>
+              <a:rPr lang="en-US" dirty="0">
+                <a:hlinkClick r:id="rId5"/>
+              </a:rPr>
+              <a:t>IOTA: A </a:t>
+            </a:r>
+            <a:r>
+              <a:rPr lang="en-US" dirty="0" err="1">
+                <a:hlinkClick r:id="rId5"/>
+              </a:rPr>
+              <a:t>Cryptoplatform</a:t>
+            </a:r>
+            <a:r>
+              <a:rPr lang="en-US" dirty="0">
+                <a:hlinkClick r:id="rId5"/>
+              </a:rPr>
+              <a:t> for Securing Transactions on the </a:t>
+            </a:r>
+            <a:r>
+              <a:rPr lang="en-US" dirty="0" err="1">
+                <a:hlinkClick r:id="rId5"/>
+              </a:rPr>
+              <a:t>IoT</a:t>
+            </a:r>
+            <a:endParaRPr lang="en-US" dirty="0"/>
+          </a:p>
+          <a:p>
+            <a:r>
+              <a:rPr lang="en-US" dirty="0">
+                <a:hlinkClick r:id="rId6"/>
+              </a:rPr>
+              <a:t>Why IBM sees blockchain as a breakthrough for traceability</a:t>
+            </a:r>
+            <a:endParaRPr lang="en-US" dirty="0"/>
+          </a:p>
+        </p:txBody>
+      </p:sp>
+      <p:sp>
+        <p:nvSpPr>
+          <p:cNvPr id="4" name="Slide Number Placeholder 3"/>
+          <p:cNvSpPr>
+            <a:spLocks noGrp="1"/>
+          </p:cNvSpPr>
+          <p:nvPr>
+            <p:ph type="sldNum" sz="quarter" idx="12"/>
+          </p:nvPr>
+        </p:nvSpPr>
+        <p:spPr/>
+        <p:txBody>
+          <a:bodyPr/>
+          <a:lstStyle/>
+          <a:p>
+            <a:fld id="{656EEF9C-D8EE-4444-AD18-FDA4DCDDF73B}" type="slidenum">
+              <a:rPr lang="en-US" smtClean="0"/>
+              <a:t>11</a:t>
+            </a:fld>
+            <a:endParaRPr lang="en-US"/>
+          </a:p>
+        </p:txBody>
+      </p:sp>
+      <p:sp>
+        <p:nvSpPr>
+          <p:cNvPr id="5" name="Rectangle 4">
+            <a:extLst>
+              <a:ext uri="{FF2B5EF4-FFF2-40B4-BE49-F238E27FC236}">
+                <a16:creationId xmlns:a16="http://schemas.microsoft.com/office/drawing/2014/main" id="{1124960D-91F1-42BD-823E-FEAF64C6F21A}"/>
+              </a:ext>
+            </a:extLst>
+          </p:cNvPr>
+          <p:cNvSpPr/>
+          <p:nvPr/>
+        </p:nvSpPr>
+        <p:spPr>
+          <a:xfrm>
+            <a:off x="0" y="6488668"/>
+            <a:ext cx="1081377" cy="369332"/>
+          </a:xfrm>
+          <a:prstGeom prst="rect">
+            <a:avLst/>
+          </a:prstGeom>
+        </p:spPr>
+        <p:txBody>
+          <a:bodyPr wrap="square">
+            <a:spAutoFit/>
+          </a:bodyPr>
+          <a:lstStyle/>
+          <a:p>
+            <a:r>
+              <a:rPr lang="en-US" dirty="0">
+                <a:hlinkClick r:id="rId7" action="ppaction://hlinksldjump"/>
+              </a:rPr>
+              <a:t>Index</a:t>
+            </a:r>
+            <a:endParaRPr lang="en-US" dirty="0"/>
+          </a:p>
+        </p:txBody>
+      </p:sp>
+    </p:spTree>
+    <p:extLst>
+      <p:ext uri="{BB962C8B-B14F-4D97-AF65-F5344CB8AC3E}">
+        <p14:creationId xmlns:p14="http://schemas.microsoft.com/office/powerpoint/2010/main" val="1769361834"/>
       </p:ext>
     </p:extLst>
   </p:cSld>
@@ -8432,8 +8748,8 @@
         </p:nvSpPr>
         <p:spPr>
           <a:xfrm>
-            <a:off x="789620" y="1386016"/>
-            <a:ext cx="5534108" cy="5183058"/>
+            <a:off x="749857" y="1045058"/>
+            <a:ext cx="5534108" cy="2736533"/>
           </a:xfrm>
         </p:spPr>
         <p:txBody>
@@ -8509,8 +8825,8 @@
         </p:nvSpPr>
         <p:spPr>
           <a:xfrm>
-            <a:off x="7079101" y="1386016"/>
-            <a:ext cx="4300099" cy="4527336"/>
+            <a:off x="7079101" y="1045058"/>
+            <a:ext cx="4300099" cy="2824357"/>
           </a:xfrm>
         </p:spPr>
         <p:txBody>
@@ -8679,8 +8995,8 @@
         </p:nvSpPr>
         <p:spPr>
           <a:xfrm>
-            <a:off x="612373" y="4435001"/>
-            <a:ext cx="2571094" cy="1938992"/>
+            <a:off x="749857" y="3994522"/>
+            <a:ext cx="5062007" cy="2369880"/>
           </a:xfrm>
           <a:prstGeom prst="rect">
             <a:avLst/>
@@ -8692,6 +9008,10 @@
           </a:bodyPr>
           <a:lstStyle/>
           <a:p>
+            <a:pPr marL="342900" indent="-342900">
+              <a:buFont typeface="Arial" panose="020B0604020202020204" pitchFamily="34" charset="0"/>
+              <a:buChar char="•"/>
+            </a:pPr>
             <a:r>
               <a:rPr lang="en-US" sz="2400" dirty="0">
                 <a:hlinkClick r:id="rId7" action="ppaction://hlinkfile"/>
@@ -8702,9 +9022,6 @@
               <a:rPr lang="en-US" sz="2400" dirty="0"/>
               <a:t>:  </a:t>
             </a:r>
-          </a:p>
-          <a:p>
-            <a:pPr lvl="1"/>
             <a:r>
               <a:rPr lang="en-US" sz="2400" dirty="0">
                 <a:hlinkClick r:id="rId8"/>
@@ -8715,9 +9032,6 @@
               <a:rPr lang="en-US" sz="2400" dirty="0"/>
               <a:t>, </a:t>
             </a:r>
-          </a:p>
-          <a:p>
-            <a:pPr lvl="1"/>
             <a:r>
               <a:rPr lang="en-US" sz="2400" dirty="0" err="1">
                 <a:hlinkClick r:id="rId6"/>
@@ -8728,27 +9042,97 @@
               <a:rPr lang="en-US" sz="2400" dirty="0"/>
               <a:t>, </a:t>
             </a:r>
-          </a:p>
-          <a:p>
-            <a:pPr lvl="1"/>
-            <a:r>
-              <a:rPr lang="en-US" sz="2400" dirty="0"/>
-              <a:t>Address, </a:t>
-            </a:r>
-          </a:p>
-          <a:p>
-            <a:pPr lvl="1"/>
             <a:r>
               <a:rPr lang="en-US" sz="2400" dirty="0">
                 <a:hlinkClick r:id="rId9"/>
               </a:rPr>
               <a:t>tree</a:t>
             </a:r>
-            <a:endParaRPr lang="en-US" sz="2400" dirty="0">
-              <a:solidFill>
-                <a:srgbClr val="C00000"/>
-              </a:solidFill>
-            </a:endParaRPr>
+            <a:endParaRPr lang="en-US" sz="2400" dirty="0"/>
+          </a:p>
+          <a:p>
+            <a:pPr marL="342900" indent="-342900">
+              <a:buFont typeface="Arial" panose="020B0604020202020204" pitchFamily="34" charset="0"/>
+              <a:buChar char="•"/>
+            </a:pPr>
+            <a:r>
+              <a:rPr lang="en-US" sz="2400" dirty="0">
+                <a:solidFill>
+                  <a:srgbClr val="0070C0"/>
+                </a:solidFill>
+              </a:rPr>
+              <a:t>Bitcoin Requirement:</a:t>
+            </a:r>
+          </a:p>
+          <a:p>
+            <a:pPr marL="800100" lvl="1" indent="-342900">
+              <a:buFont typeface="Arial" panose="020B0604020202020204" pitchFamily="34" charset="0"/>
+              <a:buChar char="•"/>
+            </a:pPr>
+            <a:r>
+              <a:rPr lang="en-US" sz="2000" dirty="0">
+                <a:solidFill>
+                  <a:srgbClr val="0070C0"/>
+                </a:solidFill>
+              </a:rPr>
+              <a:t>Anonymity</a:t>
+            </a:r>
+          </a:p>
+          <a:p>
+            <a:pPr marL="800100" lvl="1" indent="-342900">
+              <a:buFont typeface="Arial" panose="020B0604020202020204" pitchFamily="34" charset="0"/>
+              <a:buChar char="•"/>
+            </a:pPr>
+            <a:r>
+              <a:rPr lang="en-US" sz="2000" dirty="0">
+                <a:solidFill>
+                  <a:srgbClr val="0070C0"/>
+                </a:solidFill>
+              </a:rPr>
+              <a:t>No double spending</a:t>
+            </a:r>
+          </a:p>
+          <a:p>
+            <a:pPr marL="800100" lvl="1" indent="-342900">
+              <a:buFont typeface="Arial" panose="020B0604020202020204" pitchFamily="34" charset="0"/>
+              <a:buChar char="•"/>
+            </a:pPr>
+            <a:r>
+              <a:rPr lang="en-US" sz="2000" dirty="0">
+                <a:solidFill>
+                  <a:srgbClr val="0070C0"/>
+                </a:solidFill>
+              </a:rPr>
+              <a:t>Not able to crack in practice</a:t>
+            </a:r>
+          </a:p>
+          <a:p>
+            <a:pPr marL="800100" lvl="1" indent="-342900">
+              <a:buFont typeface="Arial" panose="020B0604020202020204" pitchFamily="34" charset="0"/>
+              <a:buChar char="•"/>
+            </a:pPr>
+            <a:r>
+              <a:rPr lang="en-US" sz="2000" dirty="0">
+                <a:solidFill>
+                  <a:srgbClr val="0070C0"/>
+                </a:solidFill>
+              </a:rPr>
+              <a:t>Transaction security </a:t>
+            </a:r>
+          </a:p>
+          <a:p>
+            <a:pPr marL="800100" lvl="1" indent="-342900">
+              <a:buFont typeface="Arial" panose="020B0604020202020204" pitchFamily="34" charset="0"/>
+              <a:buChar char="•"/>
+            </a:pPr>
+            <a:r>
+              <a:rPr lang="en-US" sz="2000" dirty="0">
+                <a:solidFill>
+                  <a:srgbClr val="0070C0"/>
+                </a:solidFill>
+              </a:rPr>
+              <a:t>Not able to be controlled by anybody</a:t>
+            </a:r>
           </a:p>
         </p:txBody>
       </p:sp>
@@ -8942,23 +9326,192 @@
             <p:ph type="title"/>
           </p:nvPr>
         </p:nvSpPr>
+        <p:spPr/>
+        <p:txBody>
+          <a:bodyPr>
+            <a:normAutofit fontScale="90000"/>
+          </a:bodyPr>
+          <a:lstStyle/>
+          <a:p>
+            <a:r>
+              <a:rPr lang="zh-CN" altLang="en-US" dirty="0">
+                <a:latin typeface="+mn-ea"/>
+                <a:ea typeface="+mn-ea"/>
+              </a:rPr>
+              <a:t>小结</a:t>
+            </a:r>
+            <a:endParaRPr lang="en-US" dirty="0">
+              <a:latin typeface="+mn-ea"/>
+              <a:ea typeface="+mn-ea"/>
+            </a:endParaRPr>
+          </a:p>
+        </p:txBody>
+      </p:sp>
+      <p:sp>
+        <p:nvSpPr>
+          <p:cNvPr id="3" name="Content Placeholder 2"/>
+          <p:cNvSpPr>
+            <a:spLocks noGrp="1"/>
+          </p:cNvSpPr>
+          <p:nvPr>
+            <p:ph sz="half" idx="1"/>
+          </p:nvPr>
+        </p:nvSpPr>
         <p:spPr>
           <a:xfrm>
-            <a:off x="979695" y="2299446"/>
-            <a:ext cx="9702882" cy="618101"/>
+            <a:off x="955729" y="1296417"/>
+            <a:ext cx="4267199" cy="4880545"/>
           </a:xfrm>
         </p:spPr>
         <p:txBody>
+          <a:bodyPr/>
+          <a:lstStyle/>
+          <a:p>
+            <a:pPr marL="0" indent="0">
+              <a:buNone/>
+            </a:pPr>
+            <a:r>
+              <a:rPr lang="zh-CN" altLang="en-US" sz="3600" b="1" dirty="0"/>
+              <a:t>特点</a:t>
+            </a:r>
+            <a:endParaRPr lang="en-US" altLang="zh-CN" sz="3600" b="1" dirty="0"/>
+          </a:p>
+          <a:p>
+            <a:r>
+              <a:rPr lang="zh-CN" altLang="en-US" dirty="0"/>
+              <a:t>去中心化</a:t>
+            </a:r>
+          </a:p>
+          <a:p>
+            <a:r>
+              <a:rPr lang="zh-CN" altLang="en-US" dirty="0"/>
+              <a:t>点对点支付</a:t>
+            </a:r>
+          </a:p>
+          <a:p>
+            <a:r>
+              <a:rPr lang="zh-CN" altLang="en-US" dirty="0"/>
+              <a:t>基于密码学</a:t>
+            </a:r>
+          </a:p>
+          <a:p>
+            <a:r>
+              <a:rPr lang="zh-CN" altLang="en-US" dirty="0"/>
+              <a:t>可编程合约</a:t>
+            </a:r>
+          </a:p>
+          <a:p>
+            <a:r>
+              <a:rPr lang="zh-CN" altLang="en-US" dirty="0"/>
+              <a:t>匿名</a:t>
+            </a:r>
+          </a:p>
+          <a:p>
+            <a:r>
+              <a:rPr lang="zh-CN" altLang="en-US" dirty="0"/>
+              <a:t>公开透明</a:t>
+            </a:r>
+          </a:p>
+          <a:p>
+            <a:r>
+              <a:rPr lang="zh-CN" altLang="en-US" dirty="0"/>
+              <a:t>交易可追溯</a:t>
+            </a:r>
+            <a:endParaRPr lang="en-US" dirty="0"/>
+          </a:p>
+        </p:txBody>
+      </p:sp>
+      <p:sp>
+        <p:nvSpPr>
+          <p:cNvPr id="4" name="Content Placeholder 3"/>
+          <p:cNvSpPr>
+            <a:spLocks noGrp="1"/>
+          </p:cNvSpPr>
+          <p:nvPr>
+            <p:ph sz="half" idx="2"/>
+          </p:nvPr>
+        </p:nvSpPr>
+        <p:spPr>
+          <a:xfrm>
+            <a:off x="5011120" y="1307023"/>
+            <a:ext cx="6529952" cy="4711485"/>
+          </a:xfrm>
+        </p:spPr>
+        <p:txBody>
           <a:bodyPr>
-            <a:noAutofit/>
+            <a:normAutofit/>
           </a:bodyPr>
           <a:lstStyle/>
           <a:p>
-            <a:pPr algn="ctr"/>
-            <a:r>
-              <a:rPr lang="en-US" sz="11500" dirty="0"/>
-              <a:t>Q &amp; A</a:t>
-            </a:r>
+            <a:pPr marL="0" indent="0">
+              <a:buNone/>
+            </a:pPr>
+            <a:r>
+              <a:rPr lang="zh-CN" altLang="en-US" sz="3600" b="1" dirty="0"/>
+              <a:t>局限性</a:t>
+            </a:r>
+            <a:endParaRPr lang="en-US" altLang="zh-CN" sz="3600" b="1" dirty="0"/>
+          </a:p>
+          <a:p>
+            <a:r>
+              <a:rPr lang="zh-CN" altLang="en-US" dirty="0"/>
+              <a:t>交易确认时间长（平均</a:t>
+            </a:r>
+            <a:r>
+              <a:rPr lang="en-US" altLang="zh-CN" dirty="0"/>
+              <a:t>10</a:t>
+            </a:r>
+            <a:r>
+              <a:rPr lang="zh-CN" altLang="en-US" dirty="0"/>
+              <a:t>分钟）</a:t>
+            </a:r>
+          </a:p>
+          <a:p>
+            <a:r>
+              <a:rPr lang="zh-CN" altLang="en-US" dirty="0"/>
+              <a:t>交易吞吐量低</a:t>
+            </a:r>
+          </a:p>
+          <a:p>
+            <a:r>
+              <a:rPr lang="zh-CN" altLang="en-US" dirty="0"/>
+              <a:t>挖矿耗费大量机时和电力</a:t>
+            </a:r>
+          </a:p>
+          <a:p>
+            <a:r>
+              <a:rPr lang="zh-CN" altLang="en-US" dirty="0"/>
+              <a:t>存在</a:t>
+            </a:r>
+            <a:r>
+              <a:rPr lang="en-US" altLang="zh-CN" dirty="0"/>
+              <a:t>51%</a:t>
+            </a:r>
+            <a:r>
+              <a:rPr lang="zh-CN" altLang="en-US" dirty="0"/>
+              <a:t>算力攻击的风险</a:t>
+            </a:r>
+          </a:p>
+          <a:p>
+            <a:r>
+              <a:rPr lang="zh-CN" altLang="en-US" dirty="0"/>
+              <a:t>纯粹基于密码算法，存在算法被攻破的风险</a:t>
+            </a:r>
+          </a:p>
+          <a:p>
+            <a:r>
+              <a:rPr lang="zh-CN" altLang="en-US" dirty="0"/>
+              <a:t>分布式账本占用大量存储空间（</a:t>
+            </a:r>
+            <a:r>
+              <a:rPr lang="en-US" altLang="zh-CN" dirty="0"/>
+              <a:t>~60GB</a:t>
+            </a:r>
+            <a:r>
+              <a:rPr lang="zh-CN" altLang="en-US" dirty="0"/>
+              <a:t>）</a:t>
+            </a:r>
+            <a:endParaRPr lang="en-US" dirty="0"/>
           </a:p>
         </p:txBody>
       </p:sp>
@@ -8985,47 +9538,10 @@
           </a:p>
         </p:txBody>
       </p:sp>
-      <p:sp>
-        <p:nvSpPr>
-          <p:cNvPr id="4" name="Rectangle 3">
-            <a:extLst>
-              <a:ext uri="{FF2B5EF4-FFF2-40B4-BE49-F238E27FC236}">
-                <a16:creationId xmlns:a16="http://schemas.microsoft.com/office/drawing/2014/main" id="{1D8BF281-2BBE-4282-BBDC-BDEECCAD3CE9}"/>
-              </a:ext>
-            </a:extLst>
-          </p:cNvPr>
-          <p:cNvSpPr/>
-          <p:nvPr/>
-        </p:nvSpPr>
-        <p:spPr>
-          <a:xfrm>
-            <a:off x="0" y="6488668"/>
-            <a:ext cx="1081377" cy="369332"/>
-          </a:xfrm>
-          <a:prstGeom prst="rect">
-            <a:avLst/>
-          </a:prstGeom>
-        </p:spPr>
-        <p:txBody>
-          <a:bodyPr wrap="square">
-            <a:spAutoFit/>
-          </a:bodyPr>
-          <a:lstStyle/>
-          <a:p>
-            <a:r>
-              <a:rPr lang="en-US" dirty="0">
-                <a:hlinkClick r:id="rId2" action="ppaction://hlinksldjump"/>
-              </a:rPr>
-              <a:t>Index</a:t>
-            </a:r>
-            <a:endParaRPr lang="en-US" dirty="0"/>
-          </a:p>
-        </p:txBody>
-      </p:sp>
     </p:spTree>
     <p:extLst>
       <p:ext uri="{BB962C8B-B14F-4D97-AF65-F5344CB8AC3E}">
-        <p14:creationId xmlns:p14="http://schemas.microsoft.com/office/powerpoint/2010/main" val="564625984"/>
+        <p14:creationId xmlns:p14="http://schemas.microsoft.com/office/powerpoint/2010/main" val="314487144"/>
       </p:ext>
     </p:extLst>
   </p:cSld>
@@ -9071,7 +9587,7 @@
           <a:p>
             <a:r>
               <a:rPr lang="en-US" dirty="0"/>
-              <a:t>Reference documents</a:t>
+              <a:t>Summery</a:t>
             </a:r>
           </a:p>
         </p:txBody>
@@ -9083,7 +9599,7 @@
             <a:spLocks noGrp="1"/>
           </p:cNvSpPr>
           <p:nvPr>
-            <p:ph idx="1"/>
+            <p:ph sz="half" idx="1"/>
           </p:nvPr>
         </p:nvSpPr>
         <p:spPr/>
@@ -9092,72 +9608,171 @@
           <a:lstStyle/>
           <a:p>
             <a:r>
-              <a:rPr lang="en-US" dirty="0">
-                <a:hlinkClick r:id="rId2"/>
+              <a:rPr lang="en-US" dirty="0"/>
+              <a:t>Mathematically protected digital currency</a:t>
+            </a:r>
+          </a:p>
+          <a:p>
+            <a:r>
+              <a:rPr lang="en-US" dirty="0"/>
+              <a:t>Maintained by a network of peers</a:t>
+            </a:r>
+          </a:p>
+          <a:p>
+            <a:r>
+              <a:rPr lang="en-US" dirty="0"/>
+              <a:t>Digital Signature:</a:t>
+            </a:r>
+          </a:p>
+          <a:p>
+            <a:pPr lvl="1"/>
+            <a:r>
+              <a:rPr lang="en-US" dirty="0"/>
+              <a:t>Safeguard money</a:t>
+            </a:r>
+          </a:p>
+          <a:p>
+            <a:r>
+              <a:rPr lang="en-US" dirty="0"/>
+              <a:t>Transaction chains</a:t>
+            </a:r>
+          </a:p>
+          <a:p>
+            <a:pPr lvl="1"/>
+            <a:r>
+              <a:rPr lang="en-US" dirty="0"/>
+              <a:t>Store history of ownership</a:t>
+            </a:r>
+          </a:p>
+          <a:p>
+            <a:r>
+              <a:rPr lang="en-US" dirty="0"/>
+              <a:t>Block Chain</a:t>
+            </a:r>
+          </a:p>
+          <a:p>
+            <a:pPr lvl="1"/>
+            <a:r>
+              <a:rPr lang="en-US" dirty="0"/>
+              <a:t>Hold transaction order</a:t>
+            </a:r>
+          </a:p>
+        </p:txBody>
+      </p:sp>
+      <p:sp>
+        <p:nvSpPr>
+          <p:cNvPr id="4" name="Content Placeholder 3"/>
+          <p:cNvSpPr>
+            <a:spLocks noGrp="1"/>
+          </p:cNvSpPr>
+          <p:nvPr>
+            <p:ph sz="half" idx="2"/>
+          </p:nvPr>
+        </p:nvSpPr>
+        <p:spPr>
+          <a:xfrm>
+            <a:off x="6172200" y="713984"/>
+            <a:ext cx="5793658" cy="6144016"/>
+          </a:xfrm>
+        </p:spPr>
+        <p:txBody>
+          <a:bodyPr>
+            <a:normAutofit/>
+          </a:bodyPr>
+          <a:lstStyle/>
+          <a:p>
+            <a:pPr marL="0" indent="0">
+              <a:buNone/>
+            </a:pPr>
+            <a:r>
+              <a:rPr lang="en-US" sz="3600" b="1" dirty="0">
+                <a:solidFill>
+                  <a:srgbClr val="C00000"/>
+                </a:solidFill>
               </a:rPr>
-              <a:t>How do bitcoin transactions work</a:t>
-            </a:r>
+              <a:t>Benefits</a:t>
+            </a:r>
+            <a:endParaRPr lang="en-US" b="1" dirty="0">
+              <a:solidFill>
+                <a:srgbClr val="C00000"/>
+              </a:solidFill>
+            </a:endParaRPr>
+          </a:p>
+          <a:p>
+            <a:r>
+              <a:rPr lang="en-US" dirty="0"/>
+              <a:t>Government can’t print money</a:t>
+            </a:r>
+            <a:br>
+              <a:rPr lang="en-US" dirty="0"/>
+            </a:br>
+            <a:r>
+              <a:rPr lang="en-US" dirty="0"/>
+              <a:t>or manipulate currency</a:t>
+            </a:r>
+          </a:p>
+          <a:p>
+            <a:r>
+              <a:rPr lang="en-US" dirty="0"/>
+              <a:t>Anonymity</a:t>
+            </a:r>
+          </a:p>
+          <a:p>
+            <a:r>
+              <a:rPr lang="en-US" dirty="0"/>
+              <a:t>Lower global transaction costs</a:t>
+            </a:r>
+          </a:p>
+          <a:p>
+            <a:pPr marL="0" indent="0">
+              <a:buNone/>
+            </a:pPr>
+            <a:r>
+              <a:rPr lang="en-US" sz="3600" b="1" dirty="0">
+                <a:solidFill>
+                  <a:srgbClr val="C00000"/>
+                </a:solidFill>
+              </a:rPr>
+              <a:t>Challenges</a:t>
+            </a:r>
+            <a:endParaRPr lang="en-US" sz="3600" dirty="0"/>
+          </a:p>
+          <a:p>
+            <a:r>
+              <a:rPr lang="en-US" dirty="0"/>
+              <a:t>Difficult to exchange</a:t>
+            </a:r>
+          </a:p>
+          <a:p>
+            <a:r>
+              <a:rPr lang="en-US" dirty="0"/>
+              <a:t>Used for illegal activity (Government can’t track</a:t>
+            </a:r>
+          </a:p>
+          <a:p>
+            <a:r>
+              <a:rPr lang="en-US" dirty="0"/>
+              <a:t>Mining, or solving blocks</a:t>
+            </a:r>
+            <a:br>
+              <a:rPr lang="en-US" dirty="0"/>
+            </a:br>
+            <a:r>
+              <a:rPr lang="en-US" dirty="0"/>
+              <a:t>use large amount of energy</a:t>
+            </a:r>
+          </a:p>
+          <a:p>
+            <a:pPr marL="914400" lvl="2" indent="0">
+              <a:buNone/>
+            </a:pPr>
             <a:endParaRPr lang="en-US" dirty="0"/>
           </a:p>
-          <a:p>
-            <a:r>
-              <a:rPr lang="en-US" dirty="0">
-                <a:hlinkClick r:id="rId3"/>
-              </a:rPr>
-              <a:t>The Challenges of Block Chain Indexing</a:t>
-            </a:r>
-            <a:endParaRPr lang="en-US" dirty="0"/>
-          </a:p>
-          <a:p>
-            <a:r>
-              <a:rPr lang="en-US" dirty="0">
-                <a:hlinkClick r:id="rId4"/>
-              </a:rPr>
-              <a:t>Blockchain platform evolution</a:t>
-            </a:r>
-            <a:endParaRPr lang="en-US" dirty="0"/>
-          </a:p>
-          <a:p>
-            <a:r>
-              <a:rPr lang="en-US" dirty="0">
-                <a:hlinkClick r:id="rId5"/>
-              </a:rPr>
-              <a:t>IOTA: A </a:t>
-            </a:r>
-            <a:r>
-              <a:rPr lang="en-US" dirty="0" err="1">
-                <a:hlinkClick r:id="rId5"/>
-              </a:rPr>
-              <a:t>Cryptoplatform</a:t>
-            </a:r>
-            <a:r>
-              <a:rPr lang="en-US" dirty="0">
-                <a:hlinkClick r:id="rId5"/>
-              </a:rPr>
-              <a:t> for Securing Transactions on the </a:t>
-            </a:r>
-            <a:r>
-              <a:rPr lang="en-US" dirty="0" err="1">
-                <a:hlinkClick r:id="rId5"/>
-              </a:rPr>
-              <a:t>IoT</a:t>
-            </a:r>
-            <a:endParaRPr lang="en-US" dirty="0"/>
-          </a:p>
-          <a:p>
-            <a:r>
-              <a:rPr lang="en-US" dirty="0">
-                <a:hlinkClick r:id="rId6"/>
-              </a:rPr>
-              <a:t>Why IBM sees blockchain as a breakthrough for traceability</a:t>
-            </a:r>
-            <a:endParaRPr lang="en-US" dirty="0"/>
-          </a:p>
-        </p:txBody>
-      </p:sp>
-      <p:sp>
-        <p:nvSpPr>
-          <p:cNvPr id="4" name="Slide Number Placeholder 3"/>
+        </p:txBody>
+      </p:sp>
+      <p:sp>
+        <p:nvSpPr>
+          <p:cNvPr id="5" name="Slide Number Placeholder 4"/>
           <p:cNvSpPr>
             <a:spLocks noGrp="1"/>
           </p:cNvSpPr>
@@ -9178,47 +9793,122 @@
           </a:p>
         </p:txBody>
       </p:sp>
-      <p:sp>
-        <p:nvSpPr>
-          <p:cNvPr id="5" name="Rectangle 4">
-            <a:extLst>
-              <a:ext uri="{FF2B5EF4-FFF2-40B4-BE49-F238E27FC236}">
-                <a16:creationId xmlns:a16="http://schemas.microsoft.com/office/drawing/2014/main" id="{1124960D-91F1-42BD-823E-FEAF64C6F21A}"/>
-              </a:ext>
-            </a:extLst>
-          </p:cNvPr>
-          <p:cNvSpPr/>
-          <p:nvPr/>
-        </p:nvSpPr>
-        <p:spPr>
-          <a:xfrm>
-            <a:off x="0" y="6488668"/>
-            <a:ext cx="1081377" cy="369332"/>
-          </a:xfrm>
-          <a:prstGeom prst="rect">
-            <a:avLst/>
-          </a:prstGeom>
-        </p:spPr>
-        <p:txBody>
-          <a:bodyPr wrap="square">
-            <a:spAutoFit/>
-          </a:bodyPr>
-          <a:lstStyle/>
-          <a:p>
-            <a:r>
-              <a:rPr lang="en-US" dirty="0">
-                <a:hlinkClick r:id="rId7" action="ppaction://hlinksldjump"/>
-              </a:rPr>
-              <a:t>Index</a:t>
-            </a:r>
-            <a:endParaRPr lang="en-US" dirty="0"/>
-          </a:p>
-        </p:txBody>
-      </p:sp>
     </p:spTree>
     <p:extLst>
       <p:ext uri="{BB962C8B-B14F-4D97-AF65-F5344CB8AC3E}">
-        <p14:creationId xmlns:p14="http://schemas.microsoft.com/office/powerpoint/2010/main" val="1769361834"/>
+        <p14:creationId xmlns:p14="http://schemas.microsoft.com/office/powerpoint/2010/main" val="1797374379"/>
+      </p:ext>
+    </p:extLst>
+  </p:cSld>
+  <p:clrMapOvr>
+    <a:masterClrMapping/>
+  </p:clrMapOvr>
+</p:sld>
+</file>
+
+<file path=ppt/slides/slide9.xml><?xml version="1.0" encoding="utf-8"?>
+<p:sld xmlns:a="http://schemas.openxmlformats.org/drawingml/2006/main" xmlns:r="http://schemas.openxmlformats.org/officeDocument/2006/relationships" xmlns:p="http://schemas.openxmlformats.org/presentationml/2006/main">
+  <p:cSld>
+    <p:spTree>
+      <p:nvGrpSpPr>
+        <p:cNvPr id="1" name=""/>
+        <p:cNvGrpSpPr/>
+        <p:nvPr/>
+      </p:nvGrpSpPr>
+      <p:grpSpPr>
+        <a:xfrm>
+          <a:off x="0" y="0"/>
+          <a:ext cx="0" cy="0"/>
+          <a:chOff x="0" y="0"/>
+          <a:chExt cx="0" cy="0"/>
+        </a:xfrm>
+      </p:grpSpPr>
+      <p:sp>
+        <p:nvSpPr>
+          <p:cNvPr id="2" name="Title 1"/>
+          <p:cNvSpPr>
+            <a:spLocks noGrp="1"/>
+          </p:cNvSpPr>
+          <p:nvPr>
+            <p:ph type="title"/>
+          </p:nvPr>
+        </p:nvSpPr>
+        <p:spPr/>
+        <p:txBody>
+          <a:bodyPr>
+            <a:normAutofit fontScale="90000"/>
+          </a:bodyPr>
+          <a:lstStyle/>
+          <a:p>
+            <a:endParaRPr lang="en-US"/>
+          </a:p>
+        </p:txBody>
+      </p:sp>
+      <p:sp>
+        <p:nvSpPr>
+          <p:cNvPr id="3" name="Content Placeholder 2"/>
+          <p:cNvSpPr>
+            <a:spLocks noGrp="1"/>
+          </p:cNvSpPr>
+          <p:nvPr>
+            <p:ph sz="half" idx="1"/>
+          </p:nvPr>
+        </p:nvSpPr>
+        <p:spPr/>
+        <p:txBody>
+          <a:bodyPr/>
+          <a:lstStyle/>
+          <a:p>
+            <a:endParaRPr lang="en-US"/>
+          </a:p>
+        </p:txBody>
+      </p:sp>
+      <p:sp>
+        <p:nvSpPr>
+          <p:cNvPr id="4" name="Content Placeholder 3"/>
+          <p:cNvSpPr>
+            <a:spLocks noGrp="1"/>
+          </p:cNvSpPr>
+          <p:nvPr>
+            <p:ph sz="half" idx="2"/>
+          </p:nvPr>
+        </p:nvSpPr>
+        <p:spPr/>
+        <p:txBody>
+          <a:bodyPr/>
+          <a:lstStyle/>
+          <a:p>
+            <a:endParaRPr lang="en-US"/>
+          </a:p>
+        </p:txBody>
+      </p:sp>
+      <p:sp>
+        <p:nvSpPr>
+          <p:cNvPr id="5" name="Slide Number Placeholder 4"/>
+          <p:cNvSpPr>
+            <a:spLocks noGrp="1"/>
+          </p:cNvSpPr>
+          <p:nvPr>
+            <p:ph type="sldNum" sz="quarter" idx="12"/>
+          </p:nvPr>
+        </p:nvSpPr>
+        <p:spPr/>
+        <p:txBody>
+          <a:bodyPr/>
+          <a:lstStyle/>
+          <a:p>
+            <a:fld id="{656EEF9C-D8EE-4444-AD18-FDA4DCDDF73B}" type="slidenum">
+              <a:rPr lang="en-US" smtClean="0"/>
+              <a:t>9</a:t>
+            </a:fld>
+            <a:endParaRPr lang="en-US"/>
+          </a:p>
+        </p:txBody>
+      </p:sp>
+    </p:spTree>
+    <p:extLst>
+      <p:ext uri="{BB962C8B-B14F-4D97-AF65-F5344CB8AC3E}">
+        <p14:creationId xmlns:p14="http://schemas.microsoft.com/office/powerpoint/2010/main" val="2827640428"/>
       </p:ext>
     </p:extLst>
   </p:cSld>
